--- a/Presentaciones/2 - CleanCode.pptx
+++ b/Presentaciones/2 - CleanCode.pptx
@@ -242,7 +242,7 @@
             <a:fld id="{6A30A114-90B7-4735-863A-42A2304E4B9D}" type="datetimeFigureOut">
               <a:rPr lang="es-AR" smtClean="0"/>
               <a:pPr/>
-              <a:t>19/4/2017</a:t>
+              <a:t>21/04/2017</a:t>
             </a:fld>
             <a:endParaRPr lang="es-AR"/>
           </a:p>
@@ -409,7 +409,7 @@
             <a:fld id="{05FF24BE-F13E-427F-9C3F-26FDFF11FF9E}" type="datetimeFigureOut">
               <a:rPr lang="en-US" smtClean="0"/>
               <a:pPr/>
-              <a:t>4/19/2017</a:t>
+              <a:t>4/21/2017</a:t>
             </a:fld>
             <a:endParaRPr lang="es-AR"/>
           </a:p>
@@ -3575,7 +3575,7 @@
             <a:fld id="{47491329-5680-4E20-BEAB-8385027780D1}" type="datetimeFigureOut">
               <a:rPr lang="en-US" smtClean="0"/>
               <a:pPr/>
-              <a:t>4/19/2017</a:t>
+              <a:t>4/21/2017</a:t>
             </a:fld>
             <a:endParaRPr lang="es-AR"/>
           </a:p>
@@ -6346,7 +6346,7 @@
         <p:spPr>
           <a:xfrm>
             <a:off x="1524000" y="1"/>
-            <a:ext cx="9144000" cy="1323439"/>
+            <a:ext cx="9144000" cy="923330"/>
           </a:xfrm>
           <a:prstGeom prst="rect">
             <a:avLst/>
@@ -6361,23 +6361,23 @@
           <a:p>
             <a:pPr algn="ctr"/>
             <a:r>
-              <a:rPr lang="es-AR" sz="8000" dirty="0">
-                <a:latin typeface="Consolas" pitchFamily="49" charset="0"/>
+              <a:rPr lang="es-AR" sz="5400" dirty="0">
+                <a:latin typeface="+mj-lt"/>
                 <a:ea typeface="Arial Unicode MS" pitchFamily="34" charset="-128"/>
                 <a:cs typeface="Arial Unicode MS" pitchFamily="34" charset="-128"/>
               </a:rPr>
               <a:t>Long </a:t>
             </a:r>
             <a:r>
-              <a:rPr lang="es-AR" sz="8000" dirty="0" err="1">
-                <a:latin typeface="Consolas" pitchFamily="49" charset="0"/>
+              <a:rPr lang="es-AR" sz="5400" dirty="0" err="1">
+                <a:latin typeface="+mj-lt"/>
                 <a:ea typeface="Arial Unicode MS" pitchFamily="34" charset="-128"/>
                 <a:cs typeface="Arial Unicode MS" pitchFamily="34" charset="-128"/>
               </a:rPr>
               <a:t>Method</a:t>
             </a:r>
-            <a:endParaRPr lang="es-AR" sz="8000" dirty="0">
-              <a:latin typeface="Consolas" pitchFamily="49" charset="0"/>
+            <a:endParaRPr lang="es-AR" sz="5400" dirty="0">
+              <a:latin typeface="+mj-lt"/>
               <a:ea typeface="Arial Unicode MS" pitchFamily="34" charset="-128"/>
               <a:cs typeface="Arial Unicode MS" pitchFamily="34" charset="-128"/>
             </a:endParaRPr>
@@ -6639,7 +6639,7 @@
         <p:spPr>
           <a:xfrm>
             <a:off x="1524000" y="1"/>
-            <a:ext cx="9144000" cy="1323439"/>
+            <a:ext cx="9144000" cy="923330"/>
           </a:xfrm>
           <a:prstGeom prst="rect">
             <a:avLst/>
@@ -6654,31 +6654,31 @@
           <a:p>
             <a:pPr algn="ctr"/>
             <a:r>
-              <a:rPr lang="es-AR" sz="8000" dirty="0" err="1">
-                <a:latin typeface="Consolas" pitchFamily="49" charset="0"/>
+              <a:rPr lang="es-AR" sz="5400" dirty="0" err="1">
+                <a:latin typeface="+mj-lt"/>
                 <a:ea typeface="Arial Unicode MS" pitchFamily="34" charset="-128"/>
                 <a:cs typeface="Arial Unicode MS" pitchFamily="34" charset="-128"/>
               </a:rPr>
               <a:t>Large</a:t>
             </a:r>
             <a:r>
-              <a:rPr lang="es-AR" sz="8000" dirty="0">
-                <a:latin typeface="Consolas" pitchFamily="49" charset="0"/>
+              <a:rPr lang="es-AR" sz="5400" dirty="0">
+                <a:latin typeface="+mj-lt"/>
                 <a:ea typeface="Arial Unicode MS" pitchFamily="34" charset="-128"/>
                 <a:cs typeface="Arial Unicode MS" pitchFamily="34" charset="-128"/>
               </a:rPr>
               <a:t> </a:t>
             </a:r>
             <a:r>
-              <a:rPr lang="es-AR" sz="8000" dirty="0" err="1">
-                <a:latin typeface="Consolas" pitchFamily="49" charset="0"/>
+              <a:rPr lang="es-AR" sz="5400" dirty="0" err="1">
+                <a:latin typeface="+mj-lt"/>
                 <a:ea typeface="Arial Unicode MS" pitchFamily="34" charset="-128"/>
                 <a:cs typeface="Arial Unicode MS" pitchFamily="34" charset="-128"/>
               </a:rPr>
               <a:t>Class</a:t>
             </a:r>
-            <a:endParaRPr lang="es-AR" sz="8000" dirty="0">
-              <a:latin typeface="Consolas" pitchFamily="49" charset="0"/>
+            <a:endParaRPr lang="es-AR" sz="5400" dirty="0">
+              <a:latin typeface="+mj-lt"/>
               <a:ea typeface="Arial Unicode MS" pitchFamily="34" charset="-128"/>
               <a:cs typeface="Arial Unicode MS" pitchFamily="34" charset="-128"/>
             </a:endParaRPr>
@@ -7620,7 +7620,7 @@
         <p:spPr>
           <a:xfrm>
             <a:off x="1524000" y="0"/>
-            <a:ext cx="9144000" cy="1107996"/>
+            <a:ext cx="9144000" cy="923330"/>
           </a:xfrm>
           <a:prstGeom prst="rect">
             <a:avLst/>
@@ -7635,39 +7635,39 @@
           <a:p>
             <a:pPr algn="ctr"/>
             <a:r>
-              <a:rPr lang="es-AR" sz="6600" dirty="0">
-                <a:latin typeface="Consolas" pitchFamily="49" charset="0"/>
+              <a:rPr lang="es-AR" sz="5400" dirty="0">
+                <a:latin typeface="+mj-lt"/>
                 <a:ea typeface="Arial Unicode MS" pitchFamily="34" charset="-128"/>
                 <a:cs typeface="Arial Unicode MS" pitchFamily="34" charset="-128"/>
               </a:rPr>
               <a:t>Long </a:t>
             </a:r>
             <a:r>
-              <a:rPr lang="es-AR" sz="6600" dirty="0" err="1">
-                <a:latin typeface="Consolas" pitchFamily="49" charset="0"/>
+              <a:rPr lang="es-AR" sz="5400" dirty="0" err="1">
+                <a:latin typeface="+mj-lt"/>
                 <a:ea typeface="Arial Unicode MS" pitchFamily="34" charset="-128"/>
                 <a:cs typeface="Arial Unicode MS" pitchFamily="34" charset="-128"/>
               </a:rPr>
               <a:t>parameter</a:t>
             </a:r>
             <a:r>
-              <a:rPr lang="es-AR" sz="6600" dirty="0">
-                <a:latin typeface="Consolas" pitchFamily="49" charset="0"/>
+              <a:rPr lang="es-AR" sz="5400" dirty="0">
+                <a:latin typeface="+mj-lt"/>
                 <a:ea typeface="Arial Unicode MS" pitchFamily="34" charset="-128"/>
                 <a:cs typeface="Arial Unicode MS" pitchFamily="34" charset="-128"/>
               </a:rPr>
               <a:t> </a:t>
             </a:r>
             <a:r>
-              <a:rPr lang="es-AR" sz="6600" dirty="0" err="1">
-                <a:latin typeface="Consolas" pitchFamily="49" charset="0"/>
+              <a:rPr lang="es-AR" sz="5400" dirty="0" err="1">
+                <a:latin typeface="+mj-lt"/>
                 <a:ea typeface="Arial Unicode MS" pitchFamily="34" charset="-128"/>
                 <a:cs typeface="Arial Unicode MS" pitchFamily="34" charset="-128"/>
               </a:rPr>
               <a:t>list</a:t>
             </a:r>
-            <a:endParaRPr lang="es-AR" sz="6600" dirty="0">
-              <a:latin typeface="Consolas" pitchFamily="49" charset="0"/>
+            <a:endParaRPr lang="es-AR" sz="5400" dirty="0">
+              <a:latin typeface="+mj-lt"/>
               <a:ea typeface="Arial Unicode MS" pitchFamily="34" charset="-128"/>
               <a:cs typeface="Arial Unicode MS" pitchFamily="34" charset="-128"/>
             </a:endParaRPr>
@@ -9233,7 +9233,7 @@
             <a:pPr algn="ctr"/>
             <a:r>
               <a:rPr lang="es-AR" sz="8800" dirty="0">
-                <a:latin typeface="Consolas" pitchFamily="49" charset="0"/>
+                <a:latin typeface="+mj-lt"/>
                 <a:ea typeface="Arial Unicode MS" pitchFamily="34" charset="-128"/>
                 <a:cs typeface="Arial Unicode MS" pitchFamily="34" charset="-128"/>
               </a:rPr>
@@ -9265,7 +9265,7 @@
           <a:p>
             <a:r>
               <a:rPr lang="es-AR" dirty="0">
-                <a:latin typeface="Consolas" pitchFamily="49" charset="0"/>
+                <a:latin typeface="+mj-lt"/>
                 <a:ea typeface="Arial Unicode MS" pitchFamily="34" charset="-128"/>
                 <a:cs typeface="Arial Unicode MS" pitchFamily="34" charset="-128"/>
               </a:rPr>
@@ -9273,7 +9273,7 @@
             </a:r>
             <a:r>
               <a:rPr lang="es-AR" sz="1200" dirty="0">
-                <a:latin typeface="Consolas" pitchFamily="49" charset="0"/>
+                <a:latin typeface="+mj-lt"/>
                 <a:ea typeface="Arial Unicode MS" pitchFamily="34" charset="-128"/>
                 <a:cs typeface="Arial Unicode MS" pitchFamily="34" charset="-128"/>
               </a:rPr>
@@ -9281,7 +9281,7 @@
             </a:r>
             <a:r>
               <a:rPr lang="es-AR" sz="4800" b="1" dirty="0">
-                <a:latin typeface="Consolas" pitchFamily="49" charset="0"/>
+                <a:latin typeface="+mj-lt"/>
                 <a:ea typeface="Arial Unicode MS" pitchFamily="34" charset="-128"/>
                 <a:cs typeface="Arial Unicode MS" pitchFamily="34" charset="-128"/>
               </a:rPr>
@@ -9289,7 +9289,7 @@
             </a:r>
             <a:r>
               <a:rPr lang="es-AR" sz="1200" dirty="0">
-                <a:latin typeface="Consolas" pitchFamily="49" charset="0"/>
+                <a:latin typeface="+mj-lt"/>
                 <a:ea typeface="Arial Unicode MS" pitchFamily="34" charset="-128"/>
                 <a:cs typeface="Arial Unicode MS" pitchFamily="34" charset="-128"/>
               </a:rPr>
@@ -9297,7 +9297,7 @@
             </a:r>
             <a:r>
               <a:rPr lang="es-AR" dirty="0">
-                <a:latin typeface="Consolas" pitchFamily="49" charset="0"/>
+                <a:latin typeface="+mj-lt"/>
                 <a:ea typeface="Arial Unicode MS" pitchFamily="34" charset="-128"/>
                 <a:cs typeface="Arial Unicode MS" pitchFamily="34" charset="-128"/>
               </a:rPr>
@@ -9307,7 +9307,7 @@
           <a:p>
             <a:r>
               <a:rPr lang="es-AR" dirty="0">
-                <a:latin typeface="Consolas" pitchFamily="49" charset="0"/>
+                <a:latin typeface="+mj-lt"/>
                 <a:ea typeface="Arial Unicode MS" pitchFamily="34" charset="-128"/>
                 <a:cs typeface="Arial Unicode MS" pitchFamily="34" charset="-128"/>
               </a:rPr>
@@ -9321,14 +9321,14 @@
                     <a:lumOff val="40000"/>
                   </a:schemeClr>
                 </a:solidFill>
-                <a:latin typeface="Arial" pitchFamily="34" charset="0"/>
+                <a:latin typeface="+mj-lt"/>
                 <a:cs typeface="Arial" pitchFamily="34" charset="0"/>
               </a:rPr>
               <a:t>  </a:t>
             </a:r>
             <a:r>
               <a:rPr lang="es-AR" sz="4800" b="1" dirty="0">
-                <a:latin typeface="Consolas" pitchFamily="49" charset="0"/>
+                <a:latin typeface="+mj-lt"/>
                 <a:ea typeface="Arial Unicode MS" pitchFamily="34" charset="-128"/>
                 <a:cs typeface="Arial Unicode MS" pitchFamily="34" charset="-128"/>
               </a:rPr>
@@ -9338,13 +9338,15 @@
           <a:p>
             <a:r>
               <a:rPr lang="es-AR" sz="2400" dirty="0">
-                <a:latin typeface="Consolas" pitchFamily="49" charset="0"/>
+                <a:latin typeface="+mj-lt"/>
                 <a:ea typeface="Arial Unicode MS" pitchFamily="34" charset="-128"/>
                 <a:cs typeface="Arial Unicode MS" pitchFamily="34" charset="-128"/>
               </a:rPr>
               <a:t> </a:t>
             </a:r>
-            <a:endParaRPr lang="es-AR" dirty="0"/>
+            <a:endParaRPr lang="es-AR" dirty="0">
+              <a:latin typeface="+mj-lt"/>
+            </a:endParaRPr>
           </a:p>
         </p:txBody>
       </p:sp>
@@ -9371,13 +9373,15 @@
           <a:p>
             <a:r>
               <a:rPr lang="es-AR" sz="6000" dirty="0">
-                <a:latin typeface="Consolas" pitchFamily="49" charset="0"/>
+                <a:latin typeface="+mj-lt"/>
                 <a:ea typeface="Arial Unicode MS" pitchFamily="34" charset="-128"/>
                 <a:cs typeface="Arial Unicode MS" pitchFamily="34" charset="-128"/>
               </a:rPr>
               <a:t>Simple</a:t>
             </a:r>
-            <a:endParaRPr lang="es-AR" sz="6000" dirty="0"/>
+            <a:endParaRPr lang="es-AR" sz="6000" dirty="0">
+              <a:latin typeface="+mj-lt"/>
+            </a:endParaRPr>
           </a:p>
         </p:txBody>
       </p:sp>
@@ -9389,8 +9393,8 @@
         </p:nvSpPr>
         <p:spPr>
           <a:xfrm rot="20717386">
-            <a:off x="3927310" y="4271505"/>
-            <a:ext cx="6790642" cy="1200329"/>
+            <a:off x="4366533" y="4271505"/>
+            <a:ext cx="5912196" cy="1200329"/>
           </a:xfrm>
           <a:prstGeom prst="rect">
             <a:avLst/>
@@ -9405,7 +9409,7 @@
             <a:pPr algn="ctr"/>
             <a:r>
               <a:rPr lang="es-AR" sz="7200" dirty="0">
-                <a:latin typeface="Consolas" pitchFamily="49" charset="0"/>
+                <a:latin typeface="+mj-lt"/>
                 <a:ea typeface="Arial Unicode MS" pitchFamily="34" charset="-128"/>
                 <a:cs typeface="Arial Unicode MS" pitchFamily="34" charset="-128"/>
               </a:rPr>
@@ -9437,7 +9441,7 @@
           <a:p>
             <a:r>
               <a:rPr lang="es-AR" sz="4400" dirty="0">
-                <a:latin typeface="Consolas" pitchFamily="49" charset="0"/>
+                <a:latin typeface="+mj-lt"/>
                 <a:ea typeface="Arial Unicode MS" pitchFamily="34" charset="-128"/>
                 <a:cs typeface="Arial Unicode MS" pitchFamily="34" charset="-128"/>
               </a:rPr>
@@ -9447,7 +9451,7 @@
           <a:p>
             <a:r>
               <a:rPr lang="es-AR" sz="4400" dirty="0">
-                <a:latin typeface="Consolas" pitchFamily="49" charset="0"/>
+                <a:latin typeface="+mj-lt"/>
                 <a:ea typeface="Arial Unicode MS" pitchFamily="34" charset="-128"/>
                 <a:cs typeface="Arial Unicode MS" pitchFamily="34" charset="-128"/>
               </a:rPr>
@@ -9783,7 +9787,7 @@
         <p:spPr>
           <a:xfrm>
             <a:off x="1676400" y="1143000"/>
-            <a:ext cx="8991600" cy="1938992"/>
+            <a:ext cx="8991600" cy="1754326"/>
           </a:xfrm>
           <a:prstGeom prst="rect">
             <a:avLst/>
@@ -9798,8 +9802,8 @@
           <a:p>
             <a:pPr algn="ctr"/>
             <a:r>
-              <a:rPr lang="es-AR" sz="6000" dirty="0">
-                <a:latin typeface="Consolas" pitchFamily="49" charset="0"/>
+              <a:rPr lang="es-AR" sz="5400" dirty="0">
+                <a:latin typeface="+mj-lt"/>
                 <a:ea typeface="Arial Unicode MS" pitchFamily="34" charset="-128"/>
                 <a:cs typeface="Arial Unicode MS" pitchFamily="34" charset="-128"/>
               </a:rPr>
@@ -10164,7 +10168,7 @@
         <p:spPr>
           <a:xfrm>
             <a:off x="1676400" y="1143000"/>
-            <a:ext cx="8991600" cy="1938992"/>
+            <a:ext cx="8991600" cy="1754326"/>
           </a:xfrm>
           <a:prstGeom prst="rect">
             <a:avLst/>
@@ -10179,13 +10183,26 @@
           <a:p>
             <a:pPr algn="ctr"/>
             <a:r>
-              <a:rPr lang="es-AR" sz="6000" dirty="0">
-                <a:latin typeface="Consolas" pitchFamily="49" charset="0"/>
+              <a:rPr lang="es-AR" sz="5400" dirty="0">
+                <a:latin typeface="+mj-lt"/>
                 <a:ea typeface="Arial Unicode MS" pitchFamily="34" charset="-128"/>
                 <a:cs typeface="Arial Unicode MS" pitchFamily="34" charset="-128"/>
               </a:rPr>
-              <a:t>Nombres que revelen intención</a:t>
-            </a:r>
+              <a:t>Nombres que </a:t>
+            </a:r>
+            <a:r>
+              <a:rPr lang="es-AR" sz="5400" dirty="0" smtClean="0">
+                <a:latin typeface="+mj-lt"/>
+                <a:ea typeface="Arial Unicode MS" pitchFamily="34" charset="-128"/>
+                <a:cs typeface="Arial Unicode MS" pitchFamily="34" charset="-128"/>
+              </a:rPr>
+              <a:t>revelen intención</a:t>
+            </a:r>
+            <a:endParaRPr lang="es-AR" sz="5400" dirty="0">
+              <a:latin typeface="+mj-lt"/>
+              <a:ea typeface="Arial Unicode MS" pitchFamily="34" charset="-128"/>
+              <a:cs typeface="Arial Unicode MS" pitchFamily="34" charset="-128"/>
+            </a:endParaRPr>
           </a:p>
         </p:txBody>
       </p:sp>
@@ -10271,8 +10288,8 @@
         </p:nvSpPr>
         <p:spPr>
           <a:xfrm>
-            <a:off x="4167434" y="3244334"/>
-            <a:ext cx="3857146" cy="369332"/>
+            <a:off x="4539331" y="3244334"/>
+            <a:ext cx="3113352" cy="369332"/>
           </a:xfrm>
           <a:prstGeom prst="rect">
             <a:avLst/>
@@ -10286,34 +10303,29 @@
           <a:p>
             <a:pPr algn="ctr"/>
             <a:r>
-              <a:rPr lang="es-AR">
-                <a:latin typeface="Consolas" pitchFamily="49" charset="0"/>
+              <a:rPr lang="es-AR" dirty="0">
+                <a:latin typeface="+mj-lt"/>
                 <a:ea typeface="Arial Unicode MS" pitchFamily="34" charset="-128"/>
                 <a:cs typeface="Arial Unicode MS" pitchFamily="34" charset="-128"/>
               </a:rPr>
               <a:t>Lo que hace, no </a:t>
             </a:r>
             <a:r>
-              <a:rPr lang="es-AR" smtClean="0">
-                <a:latin typeface="Consolas" pitchFamily="49" charset="0"/>
+              <a:rPr lang="es-AR" dirty="0" smtClean="0">
+                <a:latin typeface="+mj-lt"/>
                 <a:ea typeface="Arial Unicode MS" pitchFamily="34" charset="-128"/>
                 <a:cs typeface="Arial Unicode MS" pitchFamily="34" charset="-128"/>
               </a:rPr>
               <a:t>cómo </a:t>
             </a:r>
             <a:r>
-              <a:rPr lang="es-AR">
-                <a:latin typeface="Consolas" pitchFamily="49" charset="0"/>
+              <a:rPr lang="es-AR" dirty="0">
+                <a:latin typeface="+mj-lt"/>
                 <a:ea typeface="Arial Unicode MS" pitchFamily="34" charset="-128"/>
                 <a:cs typeface="Arial Unicode MS" pitchFamily="34" charset="-128"/>
               </a:rPr>
               <a:t>lo hace</a:t>
             </a:r>
-            <a:endParaRPr lang="es-AR" dirty="0">
-              <a:latin typeface="Consolas" pitchFamily="49" charset="0"/>
-              <a:ea typeface="Arial Unicode MS" pitchFamily="34" charset="-128"/>
-              <a:cs typeface="Arial Unicode MS" pitchFamily="34" charset="-128"/>
-            </a:endParaRPr>
           </a:p>
         </p:txBody>
       </p:sp>
@@ -10445,7 +10457,7 @@
         <p:spPr>
           <a:xfrm>
             <a:off x="1676400" y="1143000"/>
-            <a:ext cx="8991600" cy="1938992"/>
+            <a:ext cx="8991600" cy="923330"/>
           </a:xfrm>
           <a:prstGeom prst="rect">
             <a:avLst/>
@@ -10460,24 +10472,26 @@
           <a:p>
             <a:pPr algn="ctr"/>
             <a:r>
-              <a:rPr lang="es-AR" sz="6000" dirty="0">
-                <a:latin typeface="Consolas" pitchFamily="49" charset="0"/>
+              <a:rPr lang="es-AR" sz="5400" dirty="0">
+                <a:latin typeface="+mj-lt"/>
                 <a:ea typeface="Arial Unicode MS" pitchFamily="34" charset="-128"/>
                 <a:cs typeface="Arial Unicode MS" pitchFamily="34" charset="-128"/>
               </a:rPr>
               <a:t>Nombres </a:t>
             </a:r>
-          </a:p>
-          <a:p>
-            <a:pPr algn="ctr"/>
-            <a:r>
-              <a:rPr lang="es-AR" sz="6000" dirty="0">
-                <a:latin typeface="Consolas" pitchFamily="49" charset="0"/>
+            <a:r>
+              <a:rPr lang="es-AR" sz="5400" dirty="0" smtClean="0">
+                <a:latin typeface="+mj-lt"/>
                 <a:ea typeface="Arial Unicode MS" pitchFamily="34" charset="-128"/>
                 <a:cs typeface="Arial Unicode MS" pitchFamily="34" charset="-128"/>
               </a:rPr>
               <a:t>pronunciables</a:t>
             </a:r>
+            <a:endParaRPr lang="es-AR" sz="5400" dirty="0">
+              <a:latin typeface="+mj-lt"/>
+              <a:ea typeface="Arial Unicode MS" pitchFamily="34" charset="-128"/>
+              <a:cs typeface="Arial Unicode MS" pitchFamily="34" charset="-128"/>
+            </a:endParaRPr>
           </a:p>
         </p:txBody>
       </p:sp>
@@ -11818,7 +11832,7 @@
             <a:pPr algn="ctr"/>
             <a:r>
               <a:rPr lang="es-AR" sz="5400" dirty="0">
-                <a:latin typeface="Consolas" pitchFamily="49" charset="0"/>
+                <a:latin typeface="+mj-lt"/>
                 <a:ea typeface="Arial Unicode MS" pitchFamily="34" charset="-128"/>
                 <a:cs typeface="Arial Unicode MS" pitchFamily="34" charset="-128"/>
               </a:rPr>
@@ -12024,7 +12038,7 @@
         <p:spPr>
           <a:xfrm>
             <a:off x="1524000" y="1"/>
-            <a:ext cx="9144000" cy="1323439"/>
+            <a:ext cx="9144000" cy="1015663"/>
           </a:xfrm>
           <a:prstGeom prst="rect">
             <a:avLst/>
@@ -12039,31 +12053,31 @@
           <a:p>
             <a:pPr algn="ctr"/>
             <a:r>
-              <a:rPr lang="es-AR" sz="8000" dirty="0" err="1">
-                <a:latin typeface="Consolas" pitchFamily="49" charset="0"/>
+              <a:rPr lang="es-AR" sz="6000" dirty="0" err="1">
+                <a:latin typeface="+mj-lt"/>
                 <a:ea typeface="Arial Unicode MS" pitchFamily="34" charset="-128"/>
                 <a:cs typeface="Arial Unicode MS" pitchFamily="34" charset="-128"/>
               </a:rPr>
               <a:t>Duplicated</a:t>
             </a:r>
             <a:r>
-              <a:rPr lang="es-AR" sz="8000" dirty="0">
-                <a:latin typeface="Consolas" pitchFamily="49" charset="0"/>
+              <a:rPr lang="es-AR" sz="6000" dirty="0">
+                <a:latin typeface="+mj-lt"/>
                 <a:ea typeface="Arial Unicode MS" pitchFamily="34" charset="-128"/>
                 <a:cs typeface="Arial Unicode MS" pitchFamily="34" charset="-128"/>
               </a:rPr>
               <a:t> </a:t>
             </a:r>
             <a:r>
-              <a:rPr lang="es-AR" sz="8000" dirty="0" err="1">
-                <a:latin typeface="Consolas" pitchFamily="49" charset="0"/>
+              <a:rPr lang="es-AR" sz="6000" dirty="0" err="1">
+                <a:latin typeface="+mj-lt"/>
                 <a:ea typeface="Arial Unicode MS" pitchFamily="34" charset="-128"/>
                 <a:cs typeface="Arial Unicode MS" pitchFamily="34" charset="-128"/>
               </a:rPr>
               <a:t>Code</a:t>
             </a:r>
-            <a:endParaRPr lang="es-AR" sz="8000" dirty="0">
-              <a:latin typeface="Consolas" pitchFamily="49" charset="0"/>
+            <a:endParaRPr lang="es-AR" sz="6000" dirty="0">
+              <a:latin typeface="+mj-lt"/>
               <a:ea typeface="Arial Unicode MS" pitchFamily="34" charset="-128"/>
               <a:cs typeface="Arial Unicode MS" pitchFamily="34" charset="-128"/>
             </a:endParaRPr>
